--- a/Week 4/004 - Lesson 4 (WEEK 4).pptx
+++ b/Week 4/004 - Lesson 4 (WEEK 4).pptx
@@ -268,7 +268,7 @@
           <a:p>
             <a:fld id="{62AEA35F-9573-43A8-9776-8DA5F8ABE9D3}" type="datetimeFigureOut">
               <a:rPr lang="en-US" smtClean="0"/>
-              <a:t>2/10/2023</a:t>
+              <a:t>2/25/2023</a:t>
             </a:fld>
             <a:endParaRPr lang="en-US"/>
           </a:p>
@@ -466,7 +466,7 @@
           <a:p>
             <a:fld id="{62AEA35F-9573-43A8-9776-8DA5F8ABE9D3}" type="datetimeFigureOut">
               <a:rPr lang="en-US" smtClean="0"/>
-              <a:t>2/10/2023</a:t>
+              <a:t>2/25/2023</a:t>
             </a:fld>
             <a:endParaRPr lang="en-US"/>
           </a:p>
@@ -674,7 +674,7 @@
           <a:p>
             <a:fld id="{62AEA35F-9573-43A8-9776-8DA5F8ABE9D3}" type="datetimeFigureOut">
               <a:rPr lang="en-US" smtClean="0"/>
-              <a:t>2/10/2023</a:t>
+              <a:t>2/25/2023</a:t>
             </a:fld>
             <a:endParaRPr lang="en-US"/>
           </a:p>
@@ -872,7 +872,7 @@
           <a:p>
             <a:fld id="{62AEA35F-9573-43A8-9776-8DA5F8ABE9D3}" type="datetimeFigureOut">
               <a:rPr lang="en-US" smtClean="0"/>
-              <a:t>2/10/2023</a:t>
+              <a:t>2/25/2023</a:t>
             </a:fld>
             <a:endParaRPr lang="en-US"/>
           </a:p>
@@ -1147,7 +1147,7 @@
           <a:p>
             <a:fld id="{62AEA35F-9573-43A8-9776-8DA5F8ABE9D3}" type="datetimeFigureOut">
               <a:rPr lang="en-US" smtClean="0"/>
-              <a:t>2/10/2023</a:t>
+              <a:t>2/25/2023</a:t>
             </a:fld>
             <a:endParaRPr lang="en-US"/>
           </a:p>
@@ -1412,7 +1412,7 @@
           <a:p>
             <a:fld id="{62AEA35F-9573-43A8-9776-8DA5F8ABE9D3}" type="datetimeFigureOut">
               <a:rPr lang="en-US" smtClean="0"/>
-              <a:t>2/10/2023</a:t>
+              <a:t>2/25/2023</a:t>
             </a:fld>
             <a:endParaRPr lang="en-US"/>
           </a:p>
@@ -1824,7 +1824,7 @@
           <a:p>
             <a:fld id="{62AEA35F-9573-43A8-9776-8DA5F8ABE9D3}" type="datetimeFigureOut">
               <a:rPr lang="en-US" smtClean="0"/>
-              <a:t>2/10/2023</a:t>
+              <a:t>2/25/2023</a:t>
             </a:fld>
             <a:endParaRPr lang="en-US"/>
           </a:p>
@@ -1965,7 +1965,7 @@
           <a:p>
             <a:fld id="{62AEA35F-9573-43A8-9776-8DA5F8ABE9D3}" type="datetimeFigureOut">
               <a:rPr lang="en-US" smtClean="0"/>
-              <a:t>2/10/2023</a:t>
+              <a:t>2/25/2023</a:t>
             </a:fld>
             <a:endParaRPr lang="en-US"/>
           </a:p>
@@ -2078,7 +2078,7 @@
           <a:p>
             <a:fld id="{62AEA35F-9573-43A8-9776-8DA5F8ABE9D3}" type="datetimeFigureOut">
               <a:rPr lang="en-US" smtClean="0"/>
-              <a:t>2/10/2023</a:t>
+              <a:t>2/25/2023</a:t>
             </a:fld>
             <a:endParaRPr lang="en-US"/>
           </a:p>
@@ -2389,7 +2389,7 @@
           <a:p>
             <a:fld id="{62AEA35F-9573-43A8-9776-8DA5F8ABE9D3}" type="datetimeFigureOut">
               <a:rPr lang="en-US" smtClean="0"/>
-              <a:t>2/10/2023</a:t>
+              <a:t>2/25/2023</a:t>
             </a:fld>
             <a:endParaRPr lang="en-US"/>
           </a:p>
@@ -2677,7 +2677,7 @@
           <a:p>
             <a:fld id="{62AEA35F-9573-43A8-9776-8DA5F8ABE9D3}" type="datetimeFigureOut">
               <a:rPr lang="en-US" smtClean="0"/>
-              <a:t>2/10/2023</a:t>
+              <a:t>2/25/2023</a:t>
             </a:fld>
             <a:endParaRPr lang="en-US"/>
           </a:p>
@@ -2918,7 +2918,7 @@
           <a:p>
             <a:fld id="{62AEA35F-9573-43A8-9776-8DA5F8ABE9D3}" type="datetimeFigureOut">
               <a:rPr lang="en-US" smtClean="0"/>
-              <a:t>2/10/2023</a:t>
+              <a:t>2/25/2023</a:t>
             </a:fld>
             <a:endParaRPr lang="en-US"/>
           </a:p>
@@ -5478,6 +5478,36 @@
           </p:style>
         </p:cxnSp>
       </p:grpSp>
+      <p:pic>
+        <p:nvPicPr>
+          <p:cNvPr id="9" name="Picture 8">
+            <a:extLst>
+              <a:ext uri="{FF2B5EF4-FFF2-40B4-BE49-F238E27FC236}">
+                <a16:creationId xmlns:a16="http://schemas.microsoft.com/office/drawing/2014/main" id="{E0522092-7FB1-83FA-A1B4-9CCB94F532E6}"/>
+              </a:ext>
+            </a:extLst>
+          </p:cNvPr>
+          <p:cNvPicPr>
+            <a:picLocks noChangeAspect="1"/>
+          </p:cNvPicPr>
+          <p:nvPr/>
+        </p:nvPicPr>
+        <p:blipFill>
+          <a:blip r:embed="rId2"/>
+          <a:stretch>
+            <a:fillRect/>
+          </a:stretch>
+        </p:blipFill>
+        <p:spPr>
+          <a:xfrm>
+            <a:off x="5150374" y="663153"/>
+            <a:ext cx="3733800" cy="4048125"/>
+          </a:xfrm>
+          <a:prstGeom prst="rect">
+            <a:avLst/>
+          </a:prstGeom>
+        </p:spPr>
+      </p:pic>
     </p:spTree>
     <p:extLst>
       <p:ext uri="{BB962C8B-B14F-4D97-AF65-F5344CB8AC3E}">
@@ -5509,7 +5539,7 @@
                             </p:stCondLst>
                             <p:childTnLst>
                               <p:par>
-                                <p:cTn id="5" presetID="2" presetClass="entr" presetSubtype="4" fill="hold" grpId="0" nodeType="clickEffect">
+                                <p:cTn id="5" presetID="2" presetClass="entr" presetSubtype="4" fill="hold" nodeType="clickEffect">
                                   <p:stCondLst>
                                     <p:cond delay="0"/>
                                   </p:stCondLst>
@@ -5522,7 +5552,7 @@
                                           </p:stCondLst>
                                         </p:cTn>
                                         <p:tgtEl>
-                                          <p:spTgt spid="3"/>
+                                          <p:spTgt spid="9"/>
                                         </p:tgtEl>
                                         <p:attrNameLst>
                                           <p:attrName>style.visibility</p:attrName>
@@ -5536,7 +5566,7 @@
                                       <p:cBhvr additive="base">
                                         <p:cTn id="7" dur="500" fill="hold"/>
                                         <p:tgtEl>
-                                          <p:spTgt spid="3"/>
+                                          <p:spTgt spid="9"/>
                                         </p:tgtEl>
                                         <p:attrNameLst>
                                           <p:attrName>ppt_x</p:attrName>
@@ -5559,7 +5589,7 @@
                                       <p:cBhvr additive="base">
                                         <p:cTn id="8" dur="500" fill="hold"/>
                                         <p:tgtEl>
-                                          <p:spTgt spid="3"/>
+                                          <p:spTgt spid="9"/>
                                         </p:tgtEl>
                                         <p:attrNameLst>
                                           <p:attrName>ppt_y</p:attrName>
@@ -5600,14 +5630,158 @@
                             </p:stCondLst>
                             <p:childTnLst>
                               <p:par>
-                                <p:cTn id="11" presetID="2" presetClass="entr" presetSubtype="4" fill="hold" nodeType="clickEffect">
+                                <p:cTn id="11" presetID="10" presetClass="exit" presetSubtype="0" fill="hold" nodeType="clickEffect">
+                                  <p:stCondLst>
+                                    <p:cond delay="0"/>
+                                  </p:stCondLst>
+                                  <p:childTnLst>
+                                    <p:animEffect transition="out" filter="fade">
+                                      <p:cBhvr>
+                                        <p:cTn id="12" dur="500"/>
+                                        <p:tgtEl>
+                                          <p:spTgt spid="9"/>
+                                        </p:tgtEl>
+                                      </p:cBhvr>
+                                    </p:animEffect>
+                                    <p:set>
+                                      <p:cBhvr>
+                                        <p:cTn id="13" dur="1" fill="hold">
+                                          <p:stCondLst>
+                                            <p:cond delay="499"/>
+                                          </p:stCondLst>
+                                        </p:cTn>
+                                        <p:tgtEl>
+                                          <p:spTgt spid="9"/>
+                                        </p:tgtEl>
+                                        <p:attrNameLst>
+                                          <p:attrName>style.visibility</p:attrName>
+                                        </p:attrNameLst>
+                                      </p:cBhvr>
+                                      <p:to>
+                                        <p:strVal val="hidden"/>
+                                      </p:to>
+                                    </p:set>
+                                  </p:childTnLst>
+                                </p:cTn>
+                              </p:par>
+                            </p:childTnLst>
+                          </p:cTn>
+                        </p:par>
+                      </p:childTnLst>
+                    </p:cTn>
+                  </p:par>
+                  <p:par>
+                    <p:cTn id="14" fill="hold">
+                      <p:stCondLst>
+                        <p:cond delay="indefinite"/>
+                      </p:stCondLst>
+                      <p:childTnLst>
+                        <p:par>
+                          <p:cTn id="15" fill="hold">
+                            <p:stCondLst>
+                              <p:cond delay="0"/>
+                            </p:stCondLst>
+                            <p:childTnLst>
+                              <p:par>
+                                <p:cTn id="16" presetID="2" presetClass="entr" presetSubtype="4" fill="hold" grpId="0" nodeType="clickEffect">
                                   <p:stCondLst>
                                     <p:cond delay="0"/>
                                   </p:stCondLst>
                                   <p:childTnLst>
                                     <p:set>
                                       <p:cBhvr>
-                                        <p:cTn id="12" dur="1" fill="hold">
+                                        <p:cTn id="17" dur="1" fill="hold">
+                                          <p:stCondLst>
+                                            <p:cond delay="0"/>
+                                          </p:stCondLst>
+                                        </p:cTn>
+                                        <p:tgtEl>
+                                          <p:spTgt spid="3"/>
+                                        </p:tgtEl>
+                                        <p:attrNameLst>
+                                          <p:attrName>style.visibility</p:attrName>
+                                        </p:attrNameLst>
+                                      </p:cBhvr>
+                                      <p:to>
+                                        <p:strVal val="visible"/>
+                                      </p:to>
+                                    </p:set>
+                                    <p:anim calcmode="lin" valueType="num">
+                                      <p:cBhvr additive="base">
+                                        <p:cTn id="18" dur="500" fill="hold"/>
+                                        <p:tgtEl>
+                                          <p:spTgt spid="3"/>
+                                        </p:tgtEl>
+                                        <p:attrNameLst>
+                                          <p:attrName>ppt_x</p:attrName>
+                                        </p:attrNameLst>
+                                      </p:cBhvr>
+                                      <p:tavLst>
+                                        <p:tav tm="0">
+                                          <p:val>
+                                            <p:strVal val="#ppt_x"/>
+                                          </p:val>
+                                        </p:tav>
+                                        <p:tav tm="100000">
+                                          <p:val>
+                                            <p:strVal val="#ppt_x"/>
+                                          </p:val>
+                                        </p:tav>
+                                      </p:tavLst>
+                                    </p:anim>
+                                    <p:anim calcmode="lin" valueType="num">
+                                      <p:cBhvr additive="base">
+                                        <p:cTn id="19" dur="500" fill="hold"/>
+                                        <p:tgtEl>
+                                          <p:spTgt spid="3"/>
+                                        </p:tgtEl>
+                                        <p:attrNameLst>
+                                          <p:attrName>ppt_y</p:attrName>
+                                        </p:attrNameLst>
+                                      </p:cBhvr>
+                                      <p:tavLst>
+                                        <p:tav tm="0">
+                                          <p:val>
+                                            <p:strVal val="1+#ppt_h/2"/>
+                                          </p:val>
+                                        </p:tav>
+                                        <p:tav tm="100000">
+                                          <p:val>
+                                            <p:strVal val="#ppt_y"/>
+                                          </p:val>
+                                        </p:tav>
+                                      </p:tavLst>
+                                    </p:anim>
+                                  </p:childTnLst>
+                                </p:cTn>
+                              </p:par>
+                            </p:childTnLst>
+                          </p:cTn>
+                        </p:par>
+                      </p:childTnLst>
+                    </p:cTn>
+                  </p:par>
+                  <p:par>
+                    <p:cTn id="20" fill="hold">
+                      <p:stCondLst>
+                        <p:cond delay="indefinite"/>
+                      </p:stCondLst>
+                      <p:childTnLst>
+                        <p:par>
+                          <p:cTn id="21" fill="hold">
+                            <p:stCondLst>
+                              <p:cond delay="0"/>
+                            </p:stCondLst>
+                            <p:childTnLst>
+                              <p:par>
+                                <p:cTn id="22" presetID="2" presetClass="entr" presetSubtype="4" fill="hold" nodeType="clickEffect">
+                                  <p:stCondLst>
+                                    <p:cond delay="0"/>
+                                  </p:stCondLst>
+                                  <p:childTnLst>
+                                    <p:set>
+                                      <p:cBhvr>
+                                        <p:cTn id="23" dur="1" fill="hold">
                                           <p:stCondLst>
                                             <p:cond delay="0"/>
                                           </p:stCondLst>
@@ -5625,7 +5799,7 @@
                                     </p:set>
                                     <p:anim calcmode="lin" valueType="num">
                                       <p:cBhvr additive="base">
-                                        <p:cTn id="13" dur="500" fill="hold"/>
+                                        <p:cTn id="24" dur="500" fill="hold"/>
                                         <p:tgtEl>
                                           <p:spTgt spid="15"/>
                                         </p:tgtEl>
@@ -5648,7 +5822,7 @@
                                     </p:anim>
                                     <p:anim calcmode="lin" valueType="num">
                                       <p:cBhvr additive="base">
-                                        <p:cTn id="14" dur="500" fill="hold"/>
+                                        <p:cTn id="25" dur="500" fill="hold"/>
                                         <p:tgtEl>
                                           <p:spTgt spid="15"/>
                                         </p:tgtEl>
@@ -7603,6 +7777,115 @@
           </p:txBody>
         </p:sp>
       </p:grpSp>
+      <p:grpSp>
+        <p:nvGrpSpPr>
+          <p:cNvPr id="11" name="Group 10">
+            <a:extLst>
+              <a:ext uri="{FF2B5EF4-FFF2-40B4-BE49-F238E27FC236}">
+                <a16:creationId xmlns:a16="http://schemas.microsoft.com/office/drawing/2014/main" id="{75EF18DE-E5B3-B416-BF2D-43E889586C95}"/>
+              </a:ext>
+            </a:extLst>
+          </p:cNvPr>
+          <p:cNvGrpSpPr/>
+          <p:nvPr/>
+        </p:nvGrpSpPr>
+        <p:grpSpPr>
+          <a:xfrm>
+            <a:off x="4134026" y="1346681"/>
+            <a:ext cx="3352258" cy="3139321"/>
+            <a:chOff x="4345497" y="2416029"/>
+            <a:chExt cx="3352258" cy="3139321"/>
+          </a:xfrm>
+        </p:grpSpPr>
+        <p:sp>
+          <p:nvSpPr>
+            <p:cNvPr id="7" name="TextBox 6">
+              <a:extLst>
+                <a:ext uri="{FF2B5EF4-FFF2-40B4-BE49-F238E27FC236}">
+                  <a16:creationId xmlns:a16="http://schemas.microsoft.com/office/drawing/2014/main" id="{D404384B-A46A-92E9-C1AE-2CD89B6ED3EE}"/>
+                </a:ext>
+              </a:extLst>
+            </p:cNvPr>
+            <p:cNvSpPr txBox="1"/>
+            <p:nvPr/>
+          </p:nvSpPr>
+          <p:spPr>
+            <a:xfrm>
+              <a:off x="4345497" y="2416029"/>
+              <a:ext cx="3352258" cy="3139321"/>
+            </a:xfrm>
+            <a:prstGeom prst="rect">
+              <a:avLst/>
+            </a:prstGeom>
+            <a:solidFill>
+              <a:srgbClr val="FFC000"/>
+            </a:solidFill>
+          </p:spPr>
+          <p:txBody>
+            <a:bodyPr wrap="square" rtlCol="0">
+              <a:spAutoFit/>
+            </a:bodyPr>
+            <a:lstStyle/>
+            <a:p>
+              <a:r>
+                <a:rPr lang="en-US" dirty="0"/>
+                <a:t>What if we want the red LED to blink and the Buzzer to sound at the same time when motion is detected?</a:t>
+              </a:r>
+            </a:p>
+            <a:p>
+              <a:endParaRPr lang="en-US" dirty="0"/>
+            </a:p>
+            <a:p>
+              <a:endParaRPr lang="en-US" dirty="0"/>
+            </a:p>
+            <a:p>
+              <a:endParaRPr lang="en-US" dirty="0"/>
+            </a:p>
+            <a:p>
+              <a:endParaRPr lang="en-US" dirty="0"/>
+            </a:p>
+            <a:p>
+              <a:endParaRPr lang="en-US" dirty="0"/>
+            </a:p>
+            <a:p>
+              <a:endParaRPr lang="en-US" dirty="0"/>
+            </a:p>
+            <a:p>
+              <a:endParaRPr lang="en-US" dirty="0"/>
+            </a:p>
+          </p:txBody>
+        </p:sp>
+        <p:pic>
+          <p:nvPicPr>
+            <p:cNvPr id="10" name="Picture 9">
+              <a:extLst>
+                <a:ext uri="{FF2B5EF4-FFF2-40B4-BE49-F238E27FC236}">
+                  <a16:creationId xmlns:a16="http://schemas.microsoft.com/office/drawing/2014/main" id="{235BA3AB-60C0-57D7-C82F-CF31AFAAA716}"/>
+                </a:ext>
+              </a:extLst>
+            </p:cNvPr>
+            <p:cNvPicPr>
+              <a:picLocks noChangeAspect="1"/>
+            </p:cNvPicPr>
+            <p:nvPr/>
+          </p:nvPicPr>
+          <p:blipFill>
+            <a:blip r:embed="rId2"/>
+            <a:stretch>
+              <a:fillRect/>
+            </a:stretch>
+          </p:blipFill>
+          <p:spPr>
+            <a:xfrm>
+              <a:off x="5535851" y="3336815"/>
+              <a:ext cx="971550" cy="1933575"/>
+            </a:xfrm>
+            <a:prstGeom prst="rect">
+              <a:avLst/>
+            </a:prstGeom>
+          </p:spPr>
+        </p:pic>
+      </p:grpSp>
     </p:spTree>
     <p:extLst>
       <p:ext uri="{BB962C8B-B14F-4D97-AF65-F5344CB8AC3E}">
@@ -7685,6 +7968,97 @@
                                         <p:cTn id="8" dur="500" fill="hold"/>
                                         <p:tgtEl>
                                           <p:spTgt spid="4"/>
+                                        </p:tgtEl>
+                                        <p:attrNameLst>
+                                          <p:attrName>ppt_y</p:attrName>
+                                        </p:attrNameLst>
+                                      </p:cBhvr>
+                                      <p:tavLst>
+                                        <p:tav tm="0">
+                                          <p:val>
+                                            <p:strVal val="1+#ppt_h/2"/>
+                                          </p:val>
+                                        </p:tav>
+                                        <p:tav tm="100000">
+                                          <p:val>
+                                            <p:strVal val="#ppt_y"/>
+                                          </p:val>
+                                        </p:tav>
+                                      </p:tavLst>
+                                    </p:anim>
+                                  </p:childTnLst>
+                                </p:cTn>
+                              </p:par>
+                            </p:childTnLst>
+                          </p:cTn>
+                        </p:par>
+                      </p:childTnLst>
+                    </p:cTn>
+                  </p:par>
+                  <p:par>
+                    <p:cTn id="9" fill="hold">
+                      <p:stCondLst>
+                        <p:cond delay="indefinite"/>
+                      </p:stCondLst>
+                      <p:childTnLst>
+                        <p:par>
+                          <p:cTn id="10" fill="hold">
+                            <p:stCondLst>
+                              <p:cond delay="0"/>
+                            </p:stCondLst>
+                            <p:childTnLst>
+                              <p:par>
+                                <p:cTn id="11" presetID="2" presetClass="entr" presetSubtype="4" fill="hold" nodeType="clickEffect">
+                                  <p:stCondLst>
+                                    <p:cond delay="0"/>
+                                  </p:stCondLst>
+                                  <p:childTnLst>
+                                    <p:set>
+                                      <p:cBhvr>
+                                        <p:cTn id="12" dur="1" fill="hold">
+                                          <p:stCondLst>
+                                            <p:cond delay="0"/>
+                                          </p:stCondLst>
+                                        </p:cTn>
+                                        <p:tgtEl>
+                                          <p:spTgt spid="11"/>
+                                        </p:tgtEl>
+                                        <p:attrNameLst>
+                                          <p:attrName>style.visibility</p:attrName>
+                                        </p:attrNameLst>
+                                      </p:cBhvr>
+                                      <p:to>
+                                        <p:strVal val="visible"/>
+                                      </p:to>
+                                    </p:set>
+                                    <p:anim calcmode="lin" valueType="num">
+                                      <p:cBhvr additive="base">
+                                        <p:cTn id="13" dur="500" fill="hold"/>
+                                        <p:tgtEl>
+                                          <p:spTgt spid="11"/>
+                                        </p:tgtEl>
+                                        <p:attrNameLst>
+                                          <p:attrName>ppt_x</p:attrName>
+                                        </p:attrNameLst>
+                                      </p:cBhvr>
+                                      <p:tavLst>
+                                        <p:tav tm="0">
+                                          <p:val>
+                                            <p:strVal val="#ppt_x"/>
+                                          </p:val>
+                                        </p:tav>
+                                        <p:tav tm="100000">
+                                          <p:val>
+                                            <p:strVal val="#ppt_x"/>
+                                          </p:val>
+                                        </p:tav>
+                                      </p:tavLst>
+                                    </p:anim>
+                                    <p:anim calcmode="lin" valueType="num">
+                                      <p:cBhvr additive="base">
+                                        <p:cTn id="14" dur="500" fill="hold"/>
+                                        <p:tgtEl>
+                                          <p:spTgt spid="11"/>
                                         </p:tgtEl>
                                         <p:attrNameLst>
                                           <p:attrName>ppt_y</p:attrName>

--- a/Week 4/004 - Lesson 4 (WEEK 4).pptx
+++ b/Week 4/004 - Lesson 4 (WEEK 4).pptx
@@ -268,7 +268,7 @@
           <a:p>
             <a:fld id="{62AEA35F-9573-43A8-9776-8DA5F8ABE9D3}" type="datetimeFigureOut">
               <a:rPr lang="en-US" smtClean="0"/>
-              <a:t>2/25/2023</a:t>
+              <a:t>3/7/2023</a:t>
             </a:fld>
             <a:endParaRPr lang="en-US"/>
           </a:p>
@@ -466,7 +466,7 @@
           <a:p>
             <a:fld id="{62AEA35F-9573-43A8-9776-8DA5F8ABE9D3}" type="datetimeFigureOut">
               <a:rPr lang="en-US" smtClean="0"/>
-              <a:t>2/25/2023</a:t>
+              <a:t>3/7/2023</a:t>
             </a:fld>
             <a:endParaRPr lang="en-US"/>
           </a:p>
@@ -674,7 +674,7 @@
           <a:p>
             <a:fld id="{62AEA35F-9573-43A8-9776-8DA5F8ABE9D3}" type="datetimeFigureOut">
               <a:rPr lang="en-US" smtClean="0"/>
-              <a:t>2/25/2023</a:t>
+              <a:t>3/7/2023</a:t>
             </a:fld>
             <a:endParaRPr lang="en-US"/>
           </a:p>
@@ -872,7 +872,7 @@
           <a:p>
             <a:fld id="{62AEA35F-9573-43A8-9776-8DA5F8ABE9D3}" type="datetimeFigureOut">
               <a:rPr lang="en-US" smtClean="0"/>
-              <a:t>2/25/2023</a:t>
+              <a:t>3/7/2023</a:t>
             </a:fld>
             <a:endParaRPr lang="en-US"/>
           </a:p>
@@ -1147,7 +1147,7 @@
           <a:p>
             <a:fld id="{62AEA35F-9573-43A8-9776-8DA5F8ABE9D3}" type="datetimeFigureOut">
               <a:rPr lang="en-US" smtClean="0"/>
-              <a:t>2/25/2023</a:t>
+              <a:t>3/7/2023</a:t>
             </a:fld>
             <a:endParaRPr lang="en-US"/>
           </a:p>
@@ -1412,7 +1412,7 @@
           <a:p>
             <a:fld id="{62AEA35F-9573-43A8-9776-8DA5F8ABE9D3}" type="datetimeFigureOut">
               <a:rPr lang="en-US" smtClean="0"/>
-              <a:t>2/25/2023</a:t>
+              <a:t>3/7/2023</a:t>
             </a:fld>
             <a:endParaRPr lang="en-US"/>
           </a:p>
@@ -1824,7 +1824,7 @@
           <a:p>
             <a:fld id="{62AEA35F-9573-43A8-9776-8DA5F8ABE9D3}" type="datetimeFigureOut">
               <a:rPr lang="en-US" smtClean="0"/>
-              <a:t>2/25/2023</a:t>
+              <a:t>3/7/2023</a:t>
             </a:fld>
             <a:endParaRPr lang="en-US"/>
           </a:p>
@@ -1965,7 +1965,7 @@
           <a:p>
             <a:fld id="{62AEA35F-9573-43A8-9776-8DA5F8ABE9D3}" type="datetimeFigureOut">
               <a:rPr lang="en-US" smtClean="0"/>
-              <a:t>2/25/2023</a:t>
+              <a:t>3/7/2023</a:t>
             </a:fld>
             <a:endParaRPr lang="en-US"/>
           </a:p>
@@ -2078,7 +2078,7 @@
           <a:p>
             <a:fld id="{62AEA35F-9573-43A8-9776-8DA5F8ABE9D3}" type="datetimeFigureOut">
               <a:rPr lang="en-US" smtClean="0"/>
-              <a:t>2/25/2023</a:t>
+              <a:t>3/7/2023</a:t>
             </a:fld>
             <a:endParaRPr lang="en-US"/>
           </a:p>
@@ -2389,7 +2389,7 @@
           <a:p>
             <a:fld id="{62AEA35F-9573-43A8-9776-8DA5F8ABE9D3}" type="datetimeFigureOut">
               <a:rPr lang="en-US" smtClean="0"/>
-              <a:t>2/25/2023</a:t>
+              <a:t>3/7/2023</a:t>
             </a:fld>
             <a:endParaRPr lang="en-US"/>
           </a:p>
@@ -2677,7 +2677,7 @@
           <a:p>
             <a:fld id="{62AEA35F-9573-43A8-9776-8DA5F8ABE9D3}" type="datetimeFigureOut">
               <a:rPr lang="en-US" smtClean="0"/>
-              <a:t>2/25/2023</a:t>
+              <a:t>3/7/2023</a:t>
             </a:fld>
             <a:endParaRPr lang="en-US"/>
           </a:p>
@@ -2918,7 +2918,7 @@
           <a:p>
             <a:fld id="{62AEA35F-9573-43A8-9776-8DA5F8ABE9D3}" type="datetimeFigureOut">
               <a:rPr lang="en-US" smtClean="0"/>
-              <a:t>2/25/2023</a:t>
+              <a:t>3/7/2023</a:t>
             </a:fld>
             <a:endParaRPr lang="en-US"/>
           </a:p>
@@ -5211,7 +5211,7 @@
         <p:spPr>
           <a:xfrm>
             <a:off x="1248884" y="2942492"/>
-            <a:ext cx="4574073" cy="2031325"/>
+            <a:ext cx="4368696" cy="2031325"/>
           </a:xfrm>
           <a:prstGeom prst="rect">
             <a:avLst/>
@@ -5288,7 +5288,7 @@
             </a:r>
             <a:r>
               <a:rPr lang="en-SG" dirty="0" err="1"/>
-              <a:t>.when_pressed</a:t>
+              <a:t>.when_motion</a:t>
             </a:r>
             <a:r>
               <a:rPr lang="en-SG" dirty="0"/>
@@ -5306,7 +5306,7 @@
             </a:r>
             <a:r>
               <a:rPr lang="en-SG" dirty="0" err="1"/>
-              <a:t>.when_pressed</a:t>
+              <a:t>.when_motion</a:t>
             </a:r>
             <a:r>
               <a:rPr lang="en-SG" dirty="0"/>
@@ -5324,7 +5324,7 @@
             </a:r>
             <a:r>
               <a:rPr lang="en-SG" dirty="0" err="1"/>
-              <a:t>.when_pressed</a:t>
+              <a:t>.when_motion</a:t>
             </a:r>
             <a:r>
               <a:rPr lang="en-SG" dirty="0"/>
